--- a/public/ver_4/Stimuli/forage_instructions.pptx
+++ b/public/ver_4/Stimuli/forage_instructions.pptx
@@ -251,7 +251,7 @@
           <a:p>
             <a:fld id="{1814E929-3373-45CD-AA52-0EA1737F23A4}" type="datetimeFigureOut">
               <a:rPr lang="en-GB" smtClean="0"/>
-              <a:t>11/11/2019</a:t>
+              <a:t>06/12/2019</a:t>
             </a:fld>
             <a:endParaRPr lang="en-GB"/>
           </a:p>
@@ -421,7 +421,7 @@
           <a:p>
             <a:fld id="{1814E929-3373-45CD-AA52-0EA1737F23A4}" type="datetimeFigureOut">
               <a:rPr lang="en-GB" smtClean="0"/>
-              <a:t>11/11/2019</a:t>
+              <a:t>06/12/2019</a:t>
             </a:fld>
             <a:endParaRPr lang="en-GB"/>
           </a:p>
@@ -601,7 +601,7 @@
           <a:p>
             <a:fld id="{1814E929-3373-45CD-AA52-0EA1737F23A4}" type="datetimeFigureOut">
               <a:rPr lang="en-GB" smtClean="0"/>
-              <a:t>11/11/2019</a:t>
+              <a:t>06/12/2019</a:t>
             </a:fld>
             <a:endParaRPr lang="en-GB"/>
           </a:p>
@@ -771,7 +771,7 @@
           <a:p>
             <a:fld id="{1814E929-3373-45CD-AA52-0EA1737F23A4}" type="datetimeFigureOut">
               <a:rPr lang="en-GB" smtClean="0"/>
-              <a:t>11/11/2019</a:t>
+              <a:t>06/12/2019</a:t>
             </a:fld>
             <a:endParaRPr lang="en-GB"/>
           </a:p>
@@ -1015,7 +1015,7 @@
           <a:p>
             <a:fld id="{1814E929-3373-45CD-AA52-0EA1737F23A4}" type="datetimeFigureOut">
               <a:rPr lang="en-GB" smtClean="0"/>
-              <a:t>11/11/2019</a:t>
+              <a:t>06/12/2019</a:t>
             </a:fld>
             <a:endParaRPr lang="en-GB"/>
           </a:p>
@@ -1247,7 +1247,7 @@
           <a:p>
             <a:fld id="{1814E929-3373-45CD-AA52-0EA1737F23A4}" type="datetimeFigureOut">
               <a:rPr lang="en-GB" smtClean="0"/>
-              <a:t>11/11/2019</a:t>
+              <a:t>06/12/2019</a:t>
             </a:fld>
             <a:endParaRPr lang="en-GB"/>
           </a:p>
@@ -1614,7 +1614,7 @@
           <a:p>
             <a:fld id="{1814E929-3373-45CD-AA52-0EA1737F23A4}" type="datetimeFigureOut">
               <a:rPr lang="en-GB" smtClean="0"/>
-              <a:t>11/11/2019</a:t>
+              <a:t>06/12/2019</a:t>
             </a:fld>
             <a:endParaRPr lang="en-GB"/>
           </a:p>
@@ -1732,7 +1732,7 @@
           <a:p>
             <a:fld id="{1814E929-3373-45CD-AA52-0EA1737F23A4}" type="datetimeFigureOut">
               <a:rPr lang="en-GB" smtClean="0"/>
-              <a:t>11/11/2019</a:t>
+              <a:t>06/12/2019</a:t>
             </a:fld>
             <a:endParaRPr lang="en-GB"/>
           </a:p>
@@ -1827,7 +1827,7 @@
           <a:p>
             <a:fld id="{1814E929-3373-45CD-AA52-0EA1737F23A4}" type="datetimeFigureOut">
               <a:rPr lang="en-GB" smtClean="0"/>
-              <a:t>11/11/2019</a:t>
+              <a:t>06/12/2019</a:t>
             </a:fld>
             <a:endParaRPr lang="en-GB"/>
           </a:p>
@@ -2104,7 +2104,7 @@
           <a:p>
             <a:fld id="{1814E929-3373-45CD-AA52-0EA1737F23A4}" type="datetimeFigureOut">
               <a:rPr lang="en-GB" smtClean="0"/>
-              <a:t>11/11/2019</a:t>
+              <a:t>06/12/2019</a:t>
             </a:fld>
             <a:endParaRPr lang="en-GB"/>
           </a:p>
@@ -2361,7 +2361,7 @@
           <a:p>
             <a:fld id="{1814E929-3373-45CD-AA52-0EA1737F23A4}" type="datetimeFigureOut">
               <a:rPr lang="en-GB" smtClean="0"/>
-              <a:t>11/11/2019</a:t>
+              <a:t>06/12/2019</a:t>
             </a:fld>
             <a:endParaRPr lang="en-GB"/>
           </a:p>
@@ -2574,7 +2574,7 @@
           <a:p>
             <a:fld id="{1814E929-3373-45CD-AA52-0EA1737F23A4}" type="datetimeFigureOut">
               <a:rPr lang="en-GB" smtClean="0"/>
-              <a:t>11/11/2019</a:t>
+              <a:t>06/12/2019</a:t>
             </a:fld>
             <a:endParaRPr lang="en-GB"/>
           </a:p>
@@ -2991,13 +2991,13 @@
         </p:nvSpPr>
         <p:spPr>
           <a:xfrm>
-            <a:off x="628650" y="1143000"/>
-            <a:ext cx="7886700" cy="5033963"/>
+            <a:off x="628650" y="460858"/>
+            <a:ext cx="7886700" cy="5881420"/>
           </a:xfrm>
         </p:spPr>
         <p:txBody>
           <a:bodyPr>
-            <a:normAutofit fontScale="70000" lnSpcReduction="20000"/>
+            <a:normAutofit fontScale="85000" lnSpcReduction="20000"/>
           </a:bodyPr>
           <a:lstStyle/>
           <a:p>
@@ -3074,9 +3074,6 @@
               </a:rPr>
               <a:t>£2.00 </a:t>
             </a:r>
-            <a:endParaRPr lang="en-GB" dirty="0" smtClean="0">
-              <a:latin typeface="+mj-lt"/>
-            </a:endParaRPr>
           </a:p>
           <a:p>
             <a:r>
@@ -3238,31 +3235,11 @@
               <a:t>total number of points you collected during that round</a:t>
             </a:r>
             <a:r>
-              <a:rPr lang="en-GB" dirty="0">
+              <a:rPr lang="en-GB" dirty="0" smtClean="0">
                 <a:latin typeface="+mj-lt"/>
               </a:rPr>
               <a:t>.</a:t>
             </a:r>
-            <a:endParaRPr lang="en-GB" b="0" dirty="0" smtClean="0">
-              <a:effectLst/>
-              <a:latin typeface="+mj-lt"/>
-            </a:endParaRPr>
-          </a:p>
-          <a:p>
-            <a:pPr marL="0" indent="0">
-              <a:buNone/>
-            </a:pPr>
-            <a:r>
-              <a:rPr lang="en-GB" dirty="0" smtClean="0">
-                <a:latin typeface="+mj-lt"/>
-              </a:rPr>
-              <a:t/>
-            </a:r>
-            <a:br>
-              <a:rPr lang="en-GB" dirty="0" smtClean="0">
-                <a:latin typeface="+mj-lt"/>
-              </a:rPr>
-            </a:br>
             <a:endParaRPr lang="en-GB" dirty="0">
               <a:latin typeface="+mj-lt"/>
             </a:endParaRPr>
@@ -3316,10 +3293,15 @@
             <p:ph idx="1"/>
           </p:nvPr>
         </p:nvSpPr>
-        <p:spPr/>
+        <p:spPr>
+          <a:xfrm>
+            <a:off x="628650" y="943661"/>
+            <a:ext cx="7886700" cy="5233302"/>
+          </a:xfrm>
+        </p:spPr>
         <p:txBody>
           <a:bodyPr>
-            <a:normAutofit fontScale="92500" lnSpcReduction="10000"/>
+            <a:normAutofit fontScale="92500"/>
           </a:bodyPr>
           <a:lstStyle/>
           <a:p>
@@ -3357,8 +3339,19 @@
               <a:rPr lang="en-GB" dirty="0" smtClean="0">
                 <a:latin typeface="+mj-lt"/>
               </a:rPr>
-              <a:t>’), in order to move rightward on the screen.</a:t>
-            </a:r>
+              <a:t>’), in order to move rightward on the screen</a:t>
+            </a:r>
+            <a:r>
+              <a:rPr lang="en-GB" dirty="0" smtClean="0">
+                <a:latin typeface="+mj-lt"/>
+              </a:rPr>
+              <a:t>.</a:t>
+            </a:r>
+          </a:p>
+          <a:p>
+            <a:endParaRPr lang="en-GB" dirty="0" smtClean="0">
+              <a:latin typeface="+mj-lt"/>
+            </a:endParaRPr>
           </a:p>
           <a:p>
             <a:r>
@@ -3853,13 +3846,19 @@
               <a:rPr lang="en-GB" dirty="0">
                 <a:latin typeface="+mj-lt"/>
               </a:rPr>
-              <a:t>the tree will give lots of points (around </a:t>
+              <a:t>the tree will give </a:t>
             </a:r>
             <a:r>
               <a:rPr lang="en-GB" dirty="0" smtClean="0">
                 <a:latin typeface="+mj-lt"/>
               </a:rPr>
-              <a:t>100). However</a:t>
+              <a:t>some number of points. </a:t>
+            </a:r>
+            <a:r>
+              <a:rPr lang="en-GB" dirty="0" smtClean="0">
+                <a:latin typeface="+mj-lt"/>
+              </a:rPr>
+              <a:t>However</a:t>
             </a:r>
             <a:r>
               <a:rPr lang="en-GB" dirty="0">
@@ -4264,7 +4263,7 @@
         </p:spPr>
         <p:txBody>
           <a:bodyPr>
-            <a:normAutofit fontScale="62500" lnSpcReduction="20000"/>
+            <a:normAutofit fontScale="70000" lnSpcReduction="20000"/>
           </a:bodyPr>
           <a:lstStyle/>
           <a:p>
@@ -4410,7 +4409,19 @@
               <a:rPr lang="en-GB" dirty="0">
                 <a:latin typeface="+mj-lt"/>
               </a:rPr>
-              <a:t>new tree, its points will at first be high (around 100), but will gradually decrease with more presses</a:t>
+              <a:t>new tree, its points will at first be </a:t>
+            </a:r>
+            <a:r>
+              <a:rPr lang="en-GB" dirty="0" smtClean="0">
+                <a:latin typeface="+mj-lt"/>
+              </a:rPr>
+              <a:t>high, but </a:t>
+            </a:r>
+            <a:r>
+              <a:rPr lang="en-GB" dirty="0">
+                <a:latin typeface="+mj-lt"/>
+              </a:rPr>
+              <a:t>will gradually decrease with more presses</a:t>
             </a:r>
             <a:r>
               <a:rPr lang="en-GB" dirty="0" smtClean="0">
@@ -4551,25 +4562,7 @@
               <a:rPr lang="en-GB" sz="1800" dirty="0" smtClean="0">
                 <a:latin typeface="+mj-lt"/>
               </a:rPr>
-              <a:t>For all the rounds, </a:t>
-            </a:r>
-            <a:r>
-              <a:rPr lang="en-GB" sz="1800" dirty="0" smtClean="0">
-                <a:latin typeface="+mj-lt"/>
-              </a:rPr>
-              <a:t>for a particular travel key, </a:t>
-            </a:r>
-            <a:r>
-              <a:rPr lang="en-GB" sz="1800" dirty="0" smtClean="0">
-                <a:latin typeface="+mj-lt"/>
-              </a:rPr>
-              <a:t>hold-down keys, and harvest key, </a:t>
-            </a:r>
-            <a:r>
-              <a:rPr lang="en-GB" sz="1800" dirty="0" smtClean="0">
-                <a:latin typeface="+mj-lt"/>
-              </a:rPr>
-              <a:t>we will inform you which fingers you should use for each key</a:t>
+              <a:t>For all the rounds, for a particular travel key, hold-down keys, and harvest key, we will inform you which fingers you should use for each key</a:t>
             </a:r>
             <a:r>
               <a:rPr lang="en-GB" sz="1800" b="1" dirty="0" smtClean="0">
@@ -4577,9 +4570,6 @@
               </a:rPr>
               <a:t>. It is very important that you use those particular fingers to press those particular keys.</a:t>
             </a:r>
-            <a:endParaRPr lang="en-GB" sz="1800" b="1" dirty="0" smtClean="0">
-              <a:latin typeface="+mj-lt"/>
-            </a:endParaRPr>
           </a:p>
           <a:p>
             <a:pPr marL="457200" lvl="1" indent="0">
@@ -4613,91 +4603,46 @@
               <a:rPr lang="en-GB" sz="1800" b="1" dirty="0" smtClean="0">
                 <a:latin typeface="+mj-lt"/>
               </a:rPr>
-              <a:t>following keys </a:t>
-            </a:r>
-            <a:r>
-              <a:rPr lang="en-GB" sz="1800" b="1" dirty="0" smtClean="0">
-                <a:latin typeface="+mj-lt"/>
-              </a:rPr>
-              <a:t>held-down </a:t>
+              <a:t>following keys held-down </a:t>
             </a:r>
             <a:r>
               <a:rPr lang="en-GB" sz="1800" dirty="0" smtClean="0">
                 <a:latin typeface="+mj-lt"/>
               </a:rPr>
-              <a:t>(see photo on right): ‘</a:t>
-            </a:r>
+              <a:t>(see photo on right): ‘9’ (with right middle) ‘0’ (with right ring), ‘M’ (with right thumb).</a:t>
+            </a:r>
+          </a:p>
+          <a:p>
             <a:r>
               <a:rPr lang="en-GB" sz="1800" dirty="0" smtClean="0">
                 <a:latin typeface="+mj-lt"/>
               </a:rPr>
-              <a:t>9’ </a:t>
+              <a:t>To </a:t>
+            </a:r>
+            <a:r>
+              <a:rPr lang="en-GB" sz="1800" dirty="0">
+                <a:latin typeface="+mj-lt"/>
+              </a:rPr>
+              <a:t>HARVEST </a:t>
             </a:r>
             <a:r>
               <a:rPr lang="en-GB" sz="1800" dirty="0" smtClean="0">
                 <a:latin typeface="+mj-lt"/>
               </a:rPr>
-              <a:t>(with right middle) </a:t>
+              <a:t>you will press ‘U’ (right index). To </a:t>
+            </a:r>
+            <a:r>
+              <a:rPr lang="en-GB" sz="1800" dirty="0">
+                <a:latin typeface="+mj-lt"/>
+              </a:rPr>
+              <a:t>collect points when you are at a tree, you will need to press </a:t>
             </a:r>
             <a:r>
               <a:rPr lang="en-GB" sz="1800" dirty="0" smtClean="0">
                 <a:latin typeface="+mj-lt"/>
               </a:rPr>
-              <a:t>‘0’ (with </a:t>
-            </a:r>
-            <a:r>
-              <a:rPr lang="en-GB" sz="1800" dirty="0" smtClean="0">
-                <a:latin typeface="+mj-lt"/>
-              </a:rPr>
-              <a:t>right ring), </a:t>
-            </a:r>
-            <a:r>
-              <a:rPr lang="en-GB" sz="1800" dirty="0" smtClean="0">
-                <a:latin typeface="+mj-lt"/>
-              </a:rPr>
-              <a:t>‘M’ (with right thumb).</a:t>
-            </a:r>
-          </a:p>
-          <a:p>
-            <a:r>
-              <a:rPr lang="en-GB" sz="1800" dirty="0" smtClean="0">
-                <a:latin typeface="+mj-lt"/>
-              </a:rPr>
-              <a:t>To </a:t>
-            </a:r>
-            <a:r>
-              <a:rPr lang="en-GB" sz="1800" dirty="0">
-                <a:latin typeface="+mj-lt"/>
-              </a:rPr>
-              <a:t>HARVEST </a:t>
-            </a:r>
-            <a:r>
-              <a:rPr lang="en-GB" sz="1800" dirty="0" smtClean="0">
-                <a:latin typeface="+mj-lt"/>
-              </a:rPr>
-              <a:t>you will press ‘U’ (right index). To </a:t>
-            </a:r>
-            <a:r>
-              <a:rPr lang="en-GB" sz="1800" dirty="0">
-                <a:latin typeface="+mj-lt"/>
-              </a:rPr>
-              <a:t>collect points when you are at a tree, you will need to press </a:t>
-            </a:r>
-            <a:r>
-              <a:rPr lang="en-GB" sz="1800" dirty="0" smtClean="0">
-                <a:latin typeface="+mj-lt"/>
-              </a:rPr>
-              <a:t>this repeatedly</a:t>
-            </a:r>
-            <a:r>
-              <a:rPr lang="en-GB" sz="1800" dirty="0" smtClean="0">
-                <a:latin typeface="+mj-lt"/>
-              </a:rPr>
-              <a:t>. You will not need to hold down any keys while you press this.</a:t>
-            </a:r>
-            <a:endParaRPr lang="en-GB" sz="1800" dirty="0" smtClean="0">
-              <a:latin typeface="+mj-lt"/>
-            </a:endParaRPr>
+              <a:t>this repeatedly. You will not need to hold down any keys while you press this.</a:t>
+            </a:r>
           </a:p>
           <a:p>
             <a:r>
@@ -4889,58 +4834,16 @@
               <a:rPr lang="en-GB" sz="1800" dirty="0" smtClean="0">
                 <a:latin typeface="+mj-lt"/>
               </a:rPr>
-              <a:t>(left middle) ‘T’ (left index), ‘9’ (right </a:t>
-            </a:r>
+              <a:t>(left middle) ‘T’ (left index), ‘9’ (right middle), ‘0’ (right ring), ‘M’ (right thumb). </a:t>
+            </a:r>
+          </a:p>
+          <a:p>
             <a:r>
               <a:rPr lang="en-GB" sz="1800" dirty="0" smtClean="0">
                 <a:latin typeface="+mj-lt"/>
               </a:rPr>
-              <a:t>middle), </a:t>
-            </a:r>
-            <a:r>
-              <a:rPr lang="en-GB" sz="1800" dirty="0" smtClean="0">
-                <a:latin typeface="+mj-lt"/>
-              </a:rPr>
-              <a:t>‘0’ (right </a:t>
-            </a:r>
-            <a:r>
-              <a:rPr lang="en-GB" sz="1800" dirty="0" smtClean="0">
-                <a:latin typeface="+mj-lt"/>
-              </a:rPr>
-              <a:t>ring), </a:t>
-            </a:r>
-            <a:r>
-              <a:rPr lang="en-GB" sz="1800" dirty="0" smtClean="0">
-                <a:latin typeface="+mj-lt"/>
-              </a:rPr>
-              <a:t>‘M’ (right </a:t>
-            </a:r>
-            <a:r>
-              <a:rPr lang="en-GB" sz="1800" dirty="0" smtClean="0">
-                <a:latin typeface="+mj-lt"/>
-              </a:rPr>
-              <a:t>thumb). </a:t>
-            </a:r>
-            <a:endParaRPr lang="en-GB" sz="1800" dirty="0" smtClean="0">
-              <a:latin typeface="+mj-lt"/>
-            </a:endParaRPr>
-          </a:p>
-          <a:p>
-            <a:r>
-              <a:rPr lang="en-GB" sz="1800" dirty="0" smtClean="0">
-                <a:latin typeface="+mj-lt"/>
-              </a:rPr>
-              <a:t>To HARVEST you will again press ‘U’ (right index). To collect points when you are at a tree, you will need to press this repeatedly</a:t>
-            </a:r>
-            <a:r>
-              <a:rPr lang="en-GB" sz="1800" dirty="0" smtClean="0">
-                <a:latin typeface="+mj-lt"/>
-              </a:rPr>
-              <a:t>. You will not need to hold down any other keys.</a:t>
-            </a:r>
-            <a:endParaRPr lang="en-GB" sz="1800" dirty="0" smtClean="0">
-              <a:latin typeface="+mj-lt"/>
-            </a:endParaRPr>
+              <a:t>To HARVEST you will again press ‘U’ (right index). To collect points when you are at a tree, you will need to press this repeatedly. You will not need to hold down any other keys.</a:t>
+            </a:r>
           </a:p>
           <a:p>
             <a:r>
@@ -5133,191 +5036,149 @@
         </p:nvSpPr>
         <p:spPr>
           <a:xfrm>
-            <a:off x="126999" y="977566"/>
-            <a:ext cx="5295901" cy="4295838"/>
+            <a:off x="170890" y="457866"/>
+            <a:ext cx="5295901" cy="6096554"/>
           </a:xfrm>
         </p:spPr>
         <p:txBody>
           <a:bodyPr>
-            <a:normAutofit fontScale="92500" lnSpcReduction="10000"/>
+            <a:noAutofit/>
           </a:bodyPr>
           <a:lstStyle/>
           <a:p>
             <a:r>
-              <a:rPr lang="en-GB" sz="2400" dirty="0">
-                <a:latin typeface="+mj-lt"/>
-              </a:rPr>
-              <a:t>Great work.</a:t>
-            </a:r>
-          </a:p>
-          <a:p>
-            <a:r>
-              <a:rPr lang="en-GB" sz="2400" dirty="0">
-                <a:latin typeface="+mj-lt"/>
-              </a:rPr>
-              <a:t>Before each round you will be informed of the TRAVEL and HARVEST sequences. These may be different between the different rounds. </a:t>
+              <a:rPr lang="en-GB" sz="1800" dirty="0">
+                <a:latin typeface="+mj-lt"/>
+              </a:rPr>
+              <a:t>Great work</a:t>
+            </a:r>
+            <a:r>
+              <a:rPr lang="en-GB" sz="1800" dirty="0" smtClean="0">
+                <a:latin typeface="+mj-lt"/>
+              </a:rPr>
+              <a:t>.</a:t>
+            </a:r>
+          </a:p>
+          <a:p>
+            <a:r>
+              <a:rPr lang="en-GB" sz="1800" dirty="0" smtClean="0">
+                <a:latin typeface="+mj-lt"/>
+              </a:rPr>
+              <a:t>You will complete 6 rounds of the task. Each round will take place in a different environment.</a:t>
+            </a:r>
+          </a:p>
+          <a:p>
+            <a:r>
+              <a:rPr lang="en-GB" sz="1800" b="1" dirty="0" smtClean="0">
+                <a:latin typeface="+mj-lt"/>
+              </a:rPr>
+              <a:t>Environments</a:t>
+            </a:r>
+            <a:r>
+              <a:rPr lang="en-GB" sz="1800" dirty="0" smtClean="0">
+                <a:latin typeface="+mj-lt"/>
+              </a:rPr>
+              <a:t> differ in two ways. </a:t>
+            </a:r>
+          </a:p>
+          <a:p>
+            <a:r>
+              <a:rPr lang="en-GB" sz="1800" dirty="0" smtClean="0">
+                <a:latin typeface="+mj-lt"/>
+              </a:rPr>
+              <a:t>The first way they differ is in the difficulty of traveling.</a:t>
             </a:r>
           </a:p>
           <a:p>
             <a:pPr lvl="1"/>
             <a:r>
-              <a:rPr lang="en-GB" dirty="0">
-                <a:latin typeface="+mj-lt"/>
-              </a:rPr>
-              <a:t>The HARVEST key will always be </a:t>
-            </a:r>
-            <a:r>
-              <a:rPr lang="en-GB" dirty="0" smtClean="0">
-                <a:latin typeface="+mj-lt"/>
-              </a:rPr>
-              <a:t>U.</a:t>
-            </a:r>
-            <a:endParaRPr lang="en-GB" dirty="0">
+              <a:rPr lang="en-GB" sz="1800" dirty="0"/>
+              <a:t>In HARD environments </a:t>
+            </a:r>
+            <a:r>
+              <a:rPr lang="en-GB" sz="1800" dirty="0"/>
+              <a:t>the TRAVEL key will be F (left index), with hold-down keys M, 9, 0 (right thumb, middle, ring</a:t>
+            </a:r>
+            <a:r>
+              <a:rPr lang="en-GB" sz="1800" dirty="0" smtClean="0"/>
+              <a:t>).</a:t>
+            </a:r>
+            <a:endParaRPr lang="en-GB" sz="1800" dirty="0" smtClean="0">
               <a:latin typeface="+mj-lt"/>
             </a:endParaRPr>
           </a:p>
           <a:p>
             <a:pPr lvl="1"/>
             <a:r>
-              <a:rPr lang="en-GB" dirty="0">
-                <a:latin typeface="+mj-lt"/>
-              </a:rPr>
-              <a:t>The TRAVEL </a:t>
-            </a:r>
-            <a:r>
-              <a:rPr lang="en-GB" dirty="0" smtClean="0">
-                <a:latin typeface="+mj-lt"/>
-              </a:rPr>
-              <a:t>key will sometimes</a:t>
-            </a:r>
-            <a:r>
-              <a:rPr lang="en-GB" i="1" dirty="0" smtClean="0">
-                <a:latin typeface="+mj-lt"/>
-              </a:rPr>
+              <a:rPr lang="en-GB" sz="1800" dirty="0" smtClean="0">
+                <a:latin typeface="+mj-lt"/>
+              </a:rPr>
+              <a:t>In EASY</a:t>
+            </a:r>
+            <a:r>
+              <a:rPr lang="en-GB" sz="1800" i="1" dirty="0" smtClean="0"/>
               <a:t> </a:t>
             </a:r>
             <a:r>
-              <a:rPr lang="en-GB" i="1" dirty="0" smtClean="0">
-                <a:latin typeface="+mj-lt"/>
-              </a:rPr>
-              <a:t>(case 1)</a:t>
-            </a:r>
-            <a:r>
-              <a:rPr lang="en-GB" dirty="0" smtClean="0">
-                <a:latin typeface="+mj-lt"/>
-              </a:rPr>
-              <a:t> be </a:t>
-            </a:r>
-            <a:r>
-              <a:rPr lang="en-GB" dirty="0" smtClean="0">
-                <a:latin typeface="+mj-lt"/>
-              </a:rPr>
-              <a:t>A (left </a:t>
-            </a:r>
-            <a:r>
-              <a:rPr lang="en-GB" dirty="0" err="1" smtClean="0">
-                <a:latin typeface="+mj-lt"/>
-              </a:rPr>
-              <a:t>pinky</a:t>
-            </a:r>
-            <a:r>
-              <a:rPr lang="en-GB" dirty="0" smtClean="0">
-                <a:latin typeface="+mj-lt"/>
-              </a:rPr>
-              <a:t>) with hold-down keys </a:t>
-            </a:r>
-            <a:r>
-              <a:rPr lang="en-GB" dirty="0">
-                <a:latin typeface="+mj-lt"/>
-              </a:rPr>
-              <a:t>E</a:t>
-            </a:r>
-            <a:r>
-              <a:rPr lang="en-GB" dirty="0" smtClean="0">
-                <a:latin typeface="+mj-lt"/>
-              </a:rPr>
-              <a:t>, T (left middle and index) and M, 9, 0 (right thumb, </a:t>
-            </a:r>
-            <a:r>
-              <a:rPr lang="en-GB" dirty="0" smtClean="0">
-                <a:latin typeface="+mj-lt"/>
-              </a:rPr>
-              <a:t>middle, ring). </a:t>
-            </a:r>
-            <a:endParaRPr lang="en-GB" dirty="0" smtClean="0">
+              <a:rPr lang="en-GB" sz="1800" dirty="0" smtClean="0"/>
+              <a:t>environments</a:t>
+            </a:r>
+            <a:r>
+              <a:rPr lang="en-GB" sz="1800" i="1" dirty="0" smtClean="0"/>
+              <a:t>,</a:t>
+            </a:r>
+            <a:r>
+              <a:rPr lang="en-GB" sz="1800" i="1" dirty="0" smtClean="0"/>
+              <a:t> </a:t>
+            </a:r>
+            <a:r>
+              <a:rPr lang="en-GB" sz="1800" dirty="0"/>
+              <a:t>the TRAVEL key will be F (left index), with hold-down keys M, 9, 0 (right thumb, middle, ring). </a:t>
+            </a:r>
+            <a:endParaRPr lang="en-GB" sz="1800" dirty="0" smtClean="0">
               <a:latin typeface="+mj-lt"/>
             </a:endParaRPr>
           </a:p>
           <a:p>
-            <a:pPr lvl="1" algn="just"/>
-            <a:r>
-              <a:rPr lang="en-GB" dirty="0" smtClean="0">
-                <a:latin typeface="+mj-lt"/>
-              </a:rPr>
-              <a:t>Other </a:t>
-            </a:r>
-            <a:r>
-              <a:rPr lang="en-GB" dirty="0" smtClean="0">
-                <a:latin typeface="+mj-lt"/>
-              </a:rPr>
-              <a:t>times </a:t>
-            </a:r>
-            <a:r>
-              <a:rPr lang="en-GB" i="1" dirty="0" smtClean="0">
-                <a:latin typeface="+mj-lt"/>
-              </a:rPr>
-              <a:t>(case 2) </a:t>
-            </a:r>
-            <a:r>
-              <a:rPr lang="en-GB" dirty="0">
-                <a:latin typeface="+mj-lt"/>
-              </a:rPr>
-              <a:t>the TRAVEL </a:t>
-            </a:r>
-            <a:r>
-              <a:rPr lang="en-GB" dirty="0" smtClean="0">
-                <a:latin typeface="+mj-lt"/>
-              </a:rPr>
-              <a:t>key will be </a:t>
-            </a:r>
-            <a:r>
-              <a:rPr lang="en-GB" dirty="0" smtClean="0">
-                <a:latin typeface="+mj-lt"/>
-              </a:rPr>
-              <a:t>F (left index), </a:t>
-            </a:r>
-            <a:r>
-              <a:rPr lang="en-GB" dirty="0" smtClean="0">
-                <a:latin typeface="+mj-lt"/>
-              </a:rPr>
-              <a:t>with hold-down </a:t>
-            </a:r>
-            <a:r>
-              <a:rPr lang="en-GB" dirty="0" smtClean="0">
-                <a:latin typeface="+mj-lt"/>
-              </a:rPr>
-              <a:t>keys M</a:t>
-            </a:r>
-            <a:r>
-              <a:rPr lang="en-GB" dirty="0">
-                <a:latin typeface="+mj-lt"/>
-              </a:rPr>
-              <a:t>, 9, 0 (right thumb, </a:t>
-            </a:r>
-            <a:r>
-              <a:rPr lang="en-GB" dirty="0" smtClean="0">
-                <a:latin typeface="+mj-lt"/>
-              </a:rPr>
-              <a:t>middle, ring). </a:t>
-            </a:r>
-            <a:endParaRPr lang="en-GB" dirty="0">
+            <a:r>
+              <a:rPr lang="en-GB" sz="1800" dirty="0" smtClean="0">
+                <a:latin typeface="+mj-lt"/>
+              </a:rPr>
+              <a:t>The second way they differ is in terms of the point richness of the trees.</a:t>
+            </a:r>
+          </a:p>
+          <a:p>
+            <a:pPr lvl="1"/>
+            <a:r>
+              <a:rPr lang="en-GB" sz="1800" dirty="0" smtClean="0">
+                <a:latin typeface="+mj-lt"/>
+              </a:rPr>
+              <a:t>In HIGH point richness environments, new trees will start out providing around 100 points.</a:t>
+            </a:r>
+          </a:p>
+          <a:p>
+            <a:pPr lvl="1"/>
+            <a:r>
+              <a:rPr lang="en-GB" sz="1800" dirty="0" smtClean="0">
+                <a:latin typeface="+mj-lt"/>
+              </a:rPr>
+              <a:t>In MEDIUM point richness environments, new trees will start out providing around 75 points.</a:t>
+            </a:r>
+          </a:p>
+          <a:p>
+            <a:pPr lvl="1"/>
+            <a:r>
+              <a:rPr lang="en-GB" sz="1800" dirty="0" smtClean="0">
+                <a:latin typeface="+mj-lt"/>
+              </a:rPr>
+              <a:t>In LOW point richness environments, new trees will start out providing around 50 points.</a:t>
+            </a:r>
+            <a:endParaRPr lang="en-GB" sz="1800" dirty="0">
               <a:latin typeface="+mj-lt"/>
             </a:endParaRPr>
           </a:p>
           <a:p>
-            <a:endParaRPr lang="en-GB" dirty="0">
-              <a:latin typeface="+mj-lt"/>
-            </a:endParaRPr>
+            <a:endParaRPr lang="en-GB" sz="1800" dirty="0" smtClean="0"/>
           </a:p>
         </p:txBody>
       </p:sp>
@@ -5374,7 +5235,19 @@
           <a:p>
             <a:r>
               <a:rPr lang="en-GB" sz="1200" i="1" dirty="0" smtClean="0"/>
-              <a:t>Case 1 hold down keys. To travel in this type of round, hold down these keys, with these fingers and repeatedly tap ‘A’ with your left </a:t>
+              <a:t>HARD environments - </a:t>
+            </a:r>
+            <a:r>
+              <a:rPr lang="en-GB" sz="1200" i="1" dirty="0" smtClean="0"/>
+              <a:t>To travel in this type of </a:t>
+            </a:r>
+            <a:r>
+              <a:rPr lang="en-GB" sz="1200" i="1" dirty="0" smtClean="0"/>
+              <a:t>environment, </a:t>
+            </a:r>
+            <a:r>
+              <a:rPr lang="en-GB" sz="1200" i="1" dirty="0" smtClean="0"/>
+              <a:t>hold down these keys, with these fingers and repeatedly tap ‘A’ with your left </a:t>
             </a:r>
             <a:r>
               <a:rPr lang="en-GB" sz="1200" i="1" dirty="0" err="1" smtClean="0"/>
@@ -5411,7 +5284,19 @@
           <a:p>
             <a:r>
               <a:rPr lang="en-GB" sz="1200" i="1" dirty="0" smtClean="0"/>
-              <a:t>Case 2 hold down keys. To travel in this type of round, hold down these keys, with these fingers and repeatedly tap ‘F’ with your left index finger.</a:t>
+              <a:t>EASY environments keys</a:t>
+            </a:r>
+            <a:r>
+              <a:rPr lang="en-GB" sz="1200" i="1" dirty="0" smtClean="0"/>
+              <a:t>. To travel in this type of </a:t>
+            </a:r>
+            <a:r>
+              <a:rPr lang="en-GB" sz="1200" i="1" dirty="0" smtClean="0"/>
+              <a:t>environment, </a:t>
+            </a:r>
+            <a:r>
+              <a:rPr lang="en-GB" sz="1200" i="1" dirty="0" smtClean="0"/>
+              <a:t>hold down these keys, with these fingers and repeatedly tap ‘F’ with your left index finger.</a:t>
             </a:r>
             <a:endParaRPr lang="en-GB" dirty="0"/>
           </a:p>
@@ -5509,7 +5394,21 @@
               <a:rPr lang="en-GB" sz="1950" dirty="0" smtClean="0">
                 <a:latin typeface="+mj-lt"/>
               </a:rPr>
-              <a:t>2.5 minutes.</a:t>
+              <a:t>2.5 minutes</a:t>
+            </a:r>
+            <a:r>
+              <a:rPr lang="en-GB" sz="1950" dirty="0" smtClean="0">
+                <a:latin typeface="+mj-lt"/>
+              </a:rPr>
+              <a:t>.</a:t>
+            </a:r>
+          </a:p>
+          <a:p>
+            <a:r>
+              <a:rPr lang="en-GB" sz="1950" dirty="0" smtClean="0">
+                <a:latin typeface="+mj-lt"/>
+              </a:rPr>
+              <a:t>Prior to each round, you will be informed as to the type of environment in which the round will take place.</a:t>
             </a:r>
             <a:endParaRPr lang="en-GB" sz="1950" dirty="0">
               <a:latin typeface="+mj-lt"/>

--- a/public/ver_4/Stimuli/forage_instructions.pptx
+++ b/public/ver_4/Stimuli/forage_instructions.pptx
@@ -251,7 +251,7 @@
           <a:p>
             <a:fld id="{1814E929-3373-45CD-AA52-0EA1737F23A4}" type="datetimeFigureOut">
               <a:rPr lang="en-GB" smtClean="0"/>
-              <a:t>06/12/2019</a:t>
+              <a:t>10/12/2019</a:t>
             </a:fld>
             <a:endParaRPr lang="en-GB"/>
           </a:p>
@@ -421,7 +421,7 @@
           <a:p>
             <a:fld id="{1814E929-3373-45CD-AA52-0EA1737F23A4}" type="datetimeFigureOut">
               <a:rPr lang="en-GB" smtClean="0"/>
-              <a:t>06/12/2019</a:t>
+              <a:t>10/12/2019</a:t>
             </a:fld>
             <a:endParaRPr lang="en-GB"/>
           </a:p>
@@ -601,7 +601,7 @@
           <a:p>
             <a:fld id="{1814E929-3373-45CD-AA52-0EA1737F23A4}" type="datetimeFigureOut">
               <a:rPr lang="en-GB" smtClean="0"/>
-              <a:t>06/12/2019</a:t>
+              <a:t>10/12/2019</a:t>
             </a:fld>
             <a:endParaRPr lang="en-GB"/>
           </a:p>
@@ -771,7 +771,7 @@
           <a:p>
             <a:fld id="{1814E929-3373-45CD-AA52-0EA1737F23A4}" type="datetimeFigureOut">
               <a:rPr lang="en-GB" smtClean="0"/>
-              <a:t>06/12/2019</a:t>
+              <a:t>10/12/2019</a:t>
             </a:fld>
             <a:endParaRPr lang="en-GB"/>
           </a:p>
@@ -1015,7 +1015,7 @@
           <a:p>
             <a:fld id="{1814E929-3373-45CD-AA52-0EA1737F23A4}" type="datetimeFigureOut">
               <a:rPr lang="en-GB" smtClean="0"/>
-              <a:t>06/12/2019</a:t>
+              <a:t>10/12/2019</a:t>
             </a:fld>
             <a:endParaRPr lang="en-GB"/>
           </a:p>
@@ -1247,7 +1247,7 @@
           <a:p>
             <a:fld id="{1814E929-3373-45CD-AA52-0EA1737F23A4}" type="datetimeFigureOut">
               <a:rPr lang="en-GB" smtClean="0"/>
-              <a:t>06/12/2019</a:t>
+              <a:t>10/12/2019</a:t>
             </a:fld>
             <a:endParaRPr lang="en-GB"/>
           </a:p>
@@ -1614,7 +1614,7 @@
           <a:p>
             <a:fld id="{1814E929-3373-45CD-AA52-0EA1737F23A4}" type="datetimeFigureOut">
               <a:rPr lang="en-GB" smtClean="0"/>
-              <a:t>06/12/2019</a:t>
+              <a:t>10/12/2019</a:t>
             </a:fld>
             <a:endParaRPr lang="en-GB"/>
           </a:p>
@@ -1732,7 +1732,7 @@
           <a:p>
             <a:fld id="{1814E929-3373-45CD-AA52-0EA1737F23A4}" type="datetimeFigureOut">
               <a:rPr lang="en-GB" smtClean="0"/>
-              <a:t>06/12/2019</a:t>
+              <a:t>10/12/2019</a:t>
             </a:fld>
             <a:endParaRPr lang="en-GB"/>
           </a:p>
@@ -1827,7 +1827,7 @@
           <a:p>
             <a:fld id="{1814E929-3373-45CD-AA52-0EA1737F23A4}" type="datetimeFigureOut">
               <a:rPr lang="en-GB" smtClean="0"/>
-              <a:t>06/12/2019</a:t>
+              <a:t>10/12/2019</a:t>
             </a:fld>
             <a:endParaRPr lang="en-GB"/>
           </a:p>
@@ -2104,7 +2104,7 @@
           <a:p>
             <a:fld id="{1814E929-3373-45CD-AA52-0EA1737F23A4}" type="datetimeFigureOut">
               <a:rPr lang="en-GB" smtClean="0"/>
-              <a:t>06/12/2019</a:t>
+              <a:t>10/12/2019</a:t>
             </a:fld>
             <a:endParaRPr lang="en-GB"/>
           </a:p>
@@ -2361,7 +2361,7 @@
           <a:p>
             <a:fld id="{1814E929-3373-45CD-AA52-0EA1737F23A4}" type="datetimeFigureOut">
               <a:rPr lang="en-GB" smtClean="0"/>
-              <a:t>06/12/2019</a:t>
+              <a:t>10/12/2019</a:t>
             </a:fld>
             <a:endParaRPr lang="en-GB"/>
           </a:p>
@@ -2574,7 +2574,7 @@
           <a:p>
             <a:fld id="{1814E929-3373-45CD-AA52-0EA1737F23A4}" type="datetimeFigureOut">
               <a:rPr lang="en-GB" smtClean="0"/>
-              <a:t>06/12/2019</a:t>
+              <a:t>10/12/2019</a:t>
             </a:fld>
             <a:endParaRPr lang="en-GB"/>
           </a:p>
@@ -3339,13 +3339,7 @@
               <a:rPr lang="en-GB" dirty="0" smtClean="0">
                 <a:latin typeface="+mj-lt"/>
               </a:rPr>
-              <a:t>’), in order to move rightward on the screen</a:t>
-            </a:r>
-            <a:r>
-              <a:rPr lang="en-GB" dirty="0" smtClean="0">
-                <a:latin typeface="+mj-lt"/>
-              </a:rPr>
-              <a:t>.</a:t>
+              <a:t>’), in order to move rightward on the screen.</a:t>
             </a:r>
           </a:p>
           <a:p>
@@ -3852,13 +3846,7 @@
               <a:rPr lang="en-GB" dirty="0" smtClean="0">
                 <a:latin typeface="+mj-lt"/>
               </a:rPr>
-              <a:t>some number of points. </a:t>
-            </a:r>
-            <a:r>
-              <a:rPr lang="en-GB" dirty="0" smtClean="0">
-                <a:latin typeface="+mj-lt"/>
-              </a:rPr>
-              <a:t>However</a:t>
+              <a:t>some number of points. However</a:t>
             </a:r>
             <a:r>
               <a:rPr lang="en-GB" dirty="0">
@@ -5036,7 +5024,7 @@
         </p:nvSpPr>
         <p:spPr>
           <a:xfrm>
-            <a:off x="170890" y="457866"/>
+            <a:off x="170890" y="368966"/>
             <a:ext cx="5295901" cy="6096554"/>
           </a:xfrm>
         </p:spPr>
@@ -5093,58 +5081,163 @@
             <a:pPr lvl="1"/>
             <a:r>
               <a:rPr lang="en-GB" sz="1800" dirty="0"/>
-              <a:t>In HARD environments </a:t>
+              <a:t>In HARD environments the TRAVEL key will </a:t>
+            </a:r>
+            <a:r>
+              <a:rPr lang="en-GB" sz="1800" dirty="0" smtClean="0"/>
+              <a:t>A (</a:t>
             </a:r>
             <a:r>
               <a:rPr lang="en-GB" sz="1800" dirty="0"/>
-              <a:t>the TRAVEL key will be F (left index), with hold-down keys M, 9, 0 (right thumb, middle, ring</a:t>
+              <a:t>left </a:t>
+            </a:r>
+            <a:r>
+              <a:rPr lang="en-GB" sz="1800" dirty="0" err="1"/>
+              <a:t>pinky</a:t>
+            </a:r>
+            <a:r>
+              <a:rPr lang="en-GB" sz="1800" dirty="0"/>
+              <a:t>), </a:t>
             </a:r>
             <a:r>
               <a:rPr lang="en-GB" sz="1800" dirty="0" smtClean="0"/>
-              <a:t>).</a:t>
+              <a:t>with hold-down keys: </a:t>
+            </a:r>
+            <a:r>
+              <a:rPr lang="en-GB" sz="1800" dirty="0"/>
+              <a:t>‘E’ (left middle) ‘T’ (left index), ‘9’ (right middle), ‘0’ (right ring), ‘M’ (right thumb). </a:t>
+            </a:r>
+            <a:endParaRPr lang="en-GB" sz="1800" dirty="0" smtClean="0"/>
+          </a:p>
+          <a:p>
+            <a:pPr lvl="1"/>
+            <a:r>
+              <a:rPr lang="en-GB" sz="1800" dirty="0" smtClean="0">
+                <a:latin typeface="+mj-lt"/>
+              </a:rPr>
+              <a:t>In </a:t>
+            </a:r>
+            <a:r>
+              <a:rPr lang="en-GB" sz="1800" dirty="0" smtClean="0">
+                <a:latin typeface="+mj-lt"/>
+              </a:rPr>
+              <a:t>EASY</a:t>
+            </a:r>
+            <a:r>
+              <a:rPr lang="en-GB" sz="1800" i="1" dirty="0" smtClean="0"/>
+              <a:t> </a:t>
+            </a:r>
+            <a:r>
+              <a:rPr lang="en-GB" sz="1800" dirty="0" smtClean="0"/>
+              <a:t>environments</a:t>
+            </a:r>
+            <a:r>
+              <a:rPr lang="en-GB" sz="1800" i="1" dirty="0" smtClean="0"/>
+              <a:t>, </a:t>
+            </a:r>
+            <a:r>
+              <a:rPr lang="en-GB" sz="1800" dirty="0" smtClean="0"/>
+              <a:t>the </a:t>
+            </a:r>
+            <a:r>
+              <a:rPr lang="en-GB" sz="1800" dirty="0"/>
+              <a:t>TRAVEL key will be F (left index), with hold-down keys </a:t>
+            </a:r>
+            <a:r>
+              <a:rPr lang="en-GB" sz="1800" dirty="0" smtClean="0"/>
+              <a:t> 9</a:t>
+            </a:r>
+            <a:r>
+              <a:rPr lang="en-GB" sz="1800" dirty="0"/>
+              <a:t>, </a:t>
+            </a:r>
+            <a:r>
+              <a:rPr lang="en-GB" sz="1800" dirty="0" smtClean="0"/>
+              <a:t>0, M </a:t>
+            </a:r>
+            <a:r>
+              <a:rPr lang="en-GB" sz="1800" dirty="0"/>
+              <a:t>(</a:t>
+            </a:r>
+            <a:r>
+              <a:rPr lang="en-GB" sz="1800" dirty="0" smtClean="0"/>
+              <a:t>right </a:t>
+            </a:r>
+            <a:r>
+              <a:rPr lang="en-GB" sz="1800" dirty="0"/>
+              <a:t>middle, </a:t>
+            </a:r>
+            <a:r>
+              <a:rPr lang="en-GB" sz="1800" dirty="0" smtClean="0"/>
+              <a:t>ring, thumb). </a:t>
+            </a:r>
+          </a:p>
+          <a:p>
+            <a:pPr lvl="1"/>
+            <a:r>
+              <a:rPr lang="en-GB" sz="1800" dirty="0" smtClean="0">
+                <a:latin typeface="+mj-lt"/>
+              </a:rPr>
+              <a:t>The harvest key will always be ‘u’.</a:t>
             </a:r>
             <a:endParaRPr lang="en-GB" sz="1800" dirty="0" smtClean="0">
               <a:latin typeface="+mj-lt"/>
             </a:endParaRPr>
           </a:p>
           <a:p>
+            <a:r>
+              <a:rPr lang="en-GB" sz="1800" dirty="0" smtClean="0">
+                <a:latin typeface="+mj-lt"/>
+              </a:rPr>
+              <a:t>The second way they differ is in terms of the point richness of the trees.</a:t>
+            </a:r>
+          </a:p>
+          <a:p>
             <a:pPr lvl="1"/>
             <a:r>
               <a:rPr lang="en-GB" sz="1800" dirty="0" smtClean="0">
                 <a:latin typeface="+mj-lt"/>
               </a:rPr>
-              <a:t>In EASY</a:t>
-            </a:r>
-            <a:r>
-              <a:rPr lang="en-GB" sz="1800" i="1" dirty="0" smtClean="0"/>
+              <a:t>In HIGH point richness environments, new trees will start out providing around </a:t>
+            </a:r>
+            <a:r>
+              <a:rPr lang="en-GB" sz="1800" dirty="0" smtClean="0">
+                <a:latin typeface="+mj-lt"/>
+              </a:rPr>
+              <a:t>120 </a:t>
+            </a:r>
+            <a:r>
+              <a:rPr lang="en-GB" sz="1800" dirty="0" smtClean="0">
+                <a:latin typeface="+mj-lt"/>
+              </a:rPr>
+              <a:t>points.</a:t>
+            </a:r>
+          </a:p>
+          <a:p>
+            <a:pPr lvl="1"/>
+            <a:r>
+              <a:rPr lang="en-GB" sz="1800" dirty="0" smtClean="0">
+                <a:latin typeface="+mj-lt"/>
+              </a:rPr>
+              <a:t>In MEDIUM point richness environments, new trees will start out providing around </a:t>
+            </a:r>
+            <a:r>
+              <a:rPr lang="en-GB" sz="1800" dirty="0" smtClean="0">
+                <a:latin typeface="+mj-lt"/>
+              </a:rPr>
+              <a:t>90</a:t>
+            </a:r>
+            <a:r>
+              <a:rPr lang="en-GB" sz="1800" dirty="0" smtClean="0">
+                <a:latin typeface="+mj-lt"/>
+              </a:rPr>
               <a:t> </a:t>
             </a:r>
             <a:r>
-              <a:rPr lang="en-GB" sz="1800" dirty="0" smtClean="0"/>
-              <a:t>environments</a:t>
-            </a:r>
-            <a:r>
-              <a:rPr lang="en-GB" sz="1800" i="1" dirty="0" smtClean="0"/>
-              <a:t>,</a:t>
-            </a:r>
-            <a:r>
-              <a:rPr lang="en-GB" sz="1800" i="1" dirty="0" smtClean="0"/>
-              <a:t> </a:t>
-            </a:r>
-            <a:r>
-              <a:rPr lang="en-GB" sz="1800" dirty="0"/>
-              <a:t>the TRAVEL key will be F (left index), with hold-down keys M, 9, 0 (right thumb, middle, ring). </a:t>
-            </a:r>
-            <a:endParaRPr lang="en-GB" sz="1800" dirty="0" smtClean="0">
-              <a:latin typeface="+mj-lt"/>
-            </a:endParaRPr>
-          </a:p>
-          <a:p>
-            <a:r>
               <a:rPr lang="en-GB" sz="1800" dirty="0" smtClean="0">
                 <a:latin typeface="+mj-lt"/>
               </a:rPr>
-              <a:t>The second way they differ is in terms of the point richness of the trees.</a:t>
+              <a:t>points.</a:t>
             </a:r>
           </a:p>
           <a:p>
@@ -5153,25 +5246,19 @@
               <a:rPr lang="en-GB" sz="1800" dirty="0" smtClean="0">
                 <a:latin typeface="+mj-lt"/>
               </a:rPr>
-              <a:t>In HIGH point richness environments, new trees will start out providing around 100 points.</a:t>
-            </a:r>
-          </a:p>
-          <a:p>
-            <a:pPr lvl="1"/>
+              <a:t>In LOW point richness environments, new trees will start out providing around </a:t>
+            </a:r>
             <a:r>
               <a:rPr lang="en-GB" sz="1800" dirty="0" smtClean="0">
                 <a:latin typeface="+mj-lt"/>
               </a:rPr>
-              <a:t>In MEDIUM point richness environments, new trees will start out providing around 75 points.</a:t>
-            </a:r>
-          </a:p>
-          <a:p>
-            <a:pPr lvl="1"/>
+              <a:t>60 </a:t>
+            </a:r>
             <a:r>
               <a:rPr lang="en-GB" sz="1800" dirty="0" smtClean="0">
                 <a:latin typeface="+mj-lt"/>
               </a:rPr>
-              <a:t>In LOW point richness environments, new trees will start out providing around 50 points.</a:t>
+              <a:t>points.</a:t>
             </a:r>
             <a:endParaRPr lang="en-GB" sz="1800" dirty="0">
               <a:latin typeface="+mj-lt"/>
@@ -5235,19 +5322,7 @@
           <a:p>
             <a:r>
               <a:rPr lang="en-GB" sz="1200" i="1" dirty="0" smtClean="0"/>
-              <a:t>HARD environments - </a:t>
-            </a:r>
-            <a:r>
-              <a:rPr lang="en-GB" sz="1200" i="1" dirty="0" smtClean="0"/>
-              <a:t>To travel in this type of </a:t>
-            </a:r>
-            <a:r>
-              <a:rPr lang="en-GB" sz="1200" i="1" dirty="0" smtClean="0"/>
-              <a:t>environment, </a:t>
-            </a:r>
-            <a:r>
-              <a:rPr lang="en-GB" sz="1200" i="1" dirty="0" smtClean="0"/>
-              <a:t>hold down these keys, with these fingers and repeatedly tap ‘A’ with your left </a:t>
+              <a:t>HARD environments - To travel in this type of environment, hold down these keys, with these fingers and repeatedly tap ‘A’ with your left </a:t>
             </a:r>
             <a:r>
               <a:rPr lang="en-GB" sz="1200" i="1" dirty="0" err="1" smtClean="0"/>
@@ -5284,19 +5359,7 @@
           <a:p>
             <a:r>
               <a:rPr lang="en-GB" sz="1200" i="1" dirty="0" smtClean="0"/>
-              <a:t>EASY environments keys</a:t>
-            </a:r>
-            <a:r>
-              <a:rPr lang="en-GB" sz="1200" i="1" dirty="0" smtClean="0"/>
-              <a:t>. To travel in this type of </a:t>
-            </a:r>
-            <a:r>
-              <a:rPr lang="en-GB" sz="1200" i="1" dirty="0" smtClean="0"/>
-              <a:t>environment, </a:t>
-            </a:r>
-            <a:r>
-              <a:rPr lang="en-GB" sz="1200" i="1" dirty="0" smtClean="0"/>
-              <a:t>hold down these keys, with these fingers and repeatedly tap ‘F’ with your left index finger.</a:t>
+              <a:t>EASY environments keys. To travel in this type of environment, hold down these keys, with these fingers and repeatedly tap ‘F’ with your left index finger.</a:t>
             </a:r>
             <a:endParaRPr lang="en-GB" dirty="0"/>
           </a:p>
@@ -5394,13 +5457,7 @@
               <a:rPr lang="en-GB" sz="1950" dirty="0" smtClean="0">
                 <a:latin typeface="+mj-lt"/>
               </a:rPr>
-              <a:t>2.5 minutes</a:t>
-            </a:r>
-            <a:r>
-              <a:rPr lang="en-GB" sz="1950" dirty="0" smtClean="0">
-                <a:latin typeface="+mj-lt"/>
-              </a:rPr>
-              <a:t>.</a:t>
+              <a:t>2.5 minutes.</a:t>
             </a:r>
           </a:p>
           <a:p>

--- a/public/ver_4/Stimuli/forage_instructions.pptx
+++ b/public/ver_4/Stimuli/forage_instructions.pptx
@@ -251,7 +251,7 @@
           <a:p>
             <a:fld id="{1814E929-3373-45CD-AA52-0EA1737F23A4}" type="datetimeFigureOut">
               <a:rPr lang="en-GB" smtClean="0"/>
-              <a:t>10/12/2019</a:t>
+              <a:t>07/01/2020</a:t>
             </a:fld>
             <a:endParaRPr lang="en-GB"/>
           </a:p>
@@ -421,7 +421,7 @@
           <a:p>
             <a:fld id="{1814E929-3373-45CD-AA52-0EA1737F23A4}" type="datetimeFigureOut">
               <a:rPr lang="en-GB" smtClean="0"/>
-              <a:t>10/12/2019</a:t>
+              <a:t>07/01/2020</a:t>
             </a:fld>
             <a:endParaRPr lang="en-GB"/>
           </a:p>
@@ -601,7 +601,7 @@
           <a:p>
             <a:fld id="{1814E929-3373-45CD-AA52-0EA1737F23A4}" type="datetimeFigureOut">
               <a:rPr lang="en-GB" smtClean="0"/>
-              <a:t>10/12/2019</a:t>
+              <a:t>07/01/2020</a:t>
             </a:fld>
             <a:endParaRPr lang="en-GB"/>
           </a:p>
@@ -771,7 +771,7 @@
           <a:p>
             <a:fld id="{1814E929-3373-45CD-AA52-0EA1737F23A4}" type="datetimeFigureOut">
               <a:rPr lang="en-GB" smtClean="0"/>
-              <a:t>10/12/2019</a:t>
+              <a:t>07/01/2020</a:t>
             </a:fld>
             <a:endParaRPr lang="en-GB"/>
           </a:p>
@@ -1015,7 +1015,7 @@
           <a:p>
             <a:fld id="{1814E929-3373-45CD-AA52-0EA1737F23A4}" type="datetimeFigureOut">
               <a:rPr lang="en-GB" smtClean="0"/>
-              <a:t>10/12/2019</a:t>
+              <a:t>07/01/2020</a:t>
             </a:fld>
             <a:endParaRPr lang="en-GB"/>
           </a:p>
@@ -1247,7 +1247,7 @@
           <a:p>
             <a:fld id="{1814E929-3373-45CD-AA52-0EA1737F23A4}" type="datetimeFigureOut">
               <a:rPr lang="en-GB" smtClean="0"/>
-              <a:t>10/12/2019</a:t>
+              <a:t>07/01/2020</a:t>
             </a:fld>
             <a:endParaRPr lang="en-GB"/>
           </a:p>
@@ -1614,7 +1614,7 @@
           <a:p>
             <a:fld id="{1814E929-3373-45CD-AA52-0EA1737F23A4}" type="datetimeFigureOut">
               <a:rPr lang="en-GB" smtClean="0"/>
-              <a:t>10/12/2019</a:t>
+              <a:t>07/01/2020</a:t>
             </a:fld>
             <a:endParaRPr lang="en-GB"/>
           </a:p>
@@ -1732,7 +1732,7 @@
           <a:p>
             <a:fld id="{1814E929-3373-45CD-AA52-0EA1737F23A4}" type="datetimeFigureOut">
               <a:rPr lang="en-GB" smtClean="0"/>
-              <a:t>10/12/2019</a:t>
+              <a:t>07/01/2020</a:t>
             </a:fld>
             <a:endParaRPr lang="en-GB"/>
           </a:p>
@@ -1827,7 +1827,7 @@
           <a:p>
             <a:fld id="{1814E929-3373-45CD-AA52-0EA1737F23A4}" type="datetimeFigureOut">
               <a:rPr lang="en-GB" smtClean="0"/>
-              <a:t>10/12/2019</a:t>
+              <a:t>07/01/2020</a:t>
             </a:fld>
             <a:endParaRPr lang="en-GB"/>
           </a:p>
@@ -2104,7 +2104,7 @@
           <a:p>
             <a:fld id="{1814E929-3373-45CD-AA52-0EA1737F23A4}" type="datetimeFigureOut">
               <a:rPr lang="en-GB" smtClean="0"/>
-              <a:t>10/12/2019</a:t>
+              <a:t>07/01/2020</a:t>
             </a:fld>
             <a:endParaRPr lang="en-GB"/>
           </a:p>
@@ -2361,7 +2361,7 @@
           <a:p>
             <a:fld id="{1814E929-3373-45CD-AA52-0EA1737F23A4}" type="datetimeFigureOut">
               <a:rPr lang="en-GB" smtClean="0"/>
-              <a:t>10/12/2019</a:t>
+              <a:t>07/01/2020</a:t>
             </a:fld>
             <a:endParaRPr lang="en-GB"/>
           </a:p>
@@ -2574,7 +2574,7 @@
           <a:p>
             <a:fld id="{1814E929-3373-45CD-AA52-0EA1737F23A4}" type="datetimeFigureOut">
               <a:rPr lang="en-GB" smtClean="0"/>
-              <a:t>10/12/2019</a:t>
+              <a:t>07/01/2020</a:t>
             </a:fld>
             <a:endParaRPr lang="en-GB"/>
           </a:p>
@@ -2997,7 +2997,7 @@
         </p:spPr>
         <p:txBody>
           <a:bodyPr>
-            <a:normAutofit fontScale="85000" lnSpcReduction="20000"/>
+            <a:normAutofit fontScale="70000" lnSpcReduction="20000"/>
           </a:bodyPr>
           <a:lstStyle/>
           <a:p>
@@ -3072,8 +3072,17 @@
               <a:rPr lang="en-GB" dirty="0" smtClean="0">
                 <a:latin typeface="+mj-lt"/>
               </a:rPr>
-              <a:t>£2.00 </a:t>
-            </a:r>
+              <a:t>£</a:t>
+            </a:r>
+            <a:r>
+              <a:rPr lang="en-GB" dirty="0" smtClean="0">
+                <a:latin typeface="+mj-lt"/>
+              </a:rPr>
+              <a:t>2.50 </a:t>
+            </a:r>
+            <a:endParaRPr lang="en-GB" dirty="0" smtClean="0">
+              <a:latin typeface="+mj-lt"/>
+            </a:endParaRPr>
           </a:p>
           <a:p>
             <a:r>
@@ -3238,7 +3247,15 @@
               <a:rPr lang="en-GB" dirty="0" smtClean="0">
                 <a:latin typeface="+mj-lt"/>
               </a:rPr>
-              <a:t>.</a:t>
+              <a:t>. </a:t>
+            </a:r>
+          </a:p>
+          <a:p>
+            <a:r>
+              <a:rPr lang="en-GB" dirty="0" smtClean="0">
+                <a:latin typeface="+mj-lt"/>
+              </a:rPr>
+              <a:t>Specifically, each 12,000 points you collect in that round will correspond to £1 of bonus. </a:t>
             </a:r>
             <a:endParaRPr lang="en-GB" dirty="0">
               <a:latin typeface="+mj-lt"/>
@@ -5115,13 +5132,7 @@
               <a:rPr lang="en-GB" sz="1800" dirty="0" smtClean="0">
                 <a:latin typeface="+mj-lt"/>
               </a:rPr>
-              <a:t>In </a:t>
-            </a:r>
-            <a:r>
-              <a:rPr lang="en-GB" sz="1800" dirty="0" smtClean="0">
-                <a:latin typeface="+mj-lt"/>
-              </a:rPr>
-              <a:t>EASY</a:t>
+              <a:t>In EASY</a:t>
             </a:r>
             <a:r>
               <a:rPr lang="en-GB" sz="1800" i="1" dirty="0" smtClean="0"/>
@@ -5180,9 +5191,6 @@
               </a:rPr>
               <a:t>The harvest key will always be ‘u’.</a:t>
             </a:r>
-            <a:endParaRPr lang="en-GB" sz="1800" dirty="0" smtClean="0">
-              <a:latin typeface="+mj-lt"/>
-            </a:endParaRPr>
           </a:p>
           <a:p>
             <a:r>
@@ -5198,67 +5206,25 @@
               <a:rPr lang="en-GB" sz="1800" dirty="0" smtClean="0">
                 <a:latin typeface="+mj-lt"/>
               </a:rPr>
-              <a:t>In HIGH point richness environments, new trees will start out providing around </a:t>
-            </a:r>
+              <a:t>In HIGH point richness environments, new trees will start out providing around 120 points.</a:t>
+            </a:r>
+          </a:p>
+          <a:p>
+            <a:pPr lvl="1"/>
             <a:r>
               <a:rPr lang="en-GB" sz="1800" dirty="0" smtClean="0">
                 <a:latin typeface="+mj-lt"/>
               </a:rPr>
-              <a:t>120 </a:t>
-            </a:r>
+              <a:t>In MEDIUM point richness environments, new trees will start out providing around 90 points.</a:t>
+            </a:r>
+          </a:p>
+          <a:p>
+            <a:pPr lvl="1"/>
             <a:r>
               <a:rPr lang="en-GB" sz="1800" dirty="0" smtClean="0">
                 <a:latin typeface="+mj-lt"/>
               </a:rPr>
-              <a:t>points.</a:t>
-            </a:r>
-          </a:p>
-          <a:p>
-            <a:pPr lvl="1"/>
-            <a:r>
-              <a:rPr lang="en-GB" sz="1800" dirty="0" smtClean="0">
-                <a:latin typeface="+mj-lt"/>
-              </a:rPr>
-              <a:t>In MEDIUM point richness environments, new trees will start out providing around </a:t>
-            </a:r>
-            <a:r>
-              <a:rPr lang="en-GB" sz="1800" dirty="0" smtClean="0">
-                <a:latin typeface="+mj-lt"/>
-              </a:rPr>
-              <a:t>90</a:t>
-            </a:r>
-            <a:r>
-              <a:rPr lang="en-GB" sz="1800" dirty="0" smtClean="0">
-                <a:latin typeface="+mj-lt"/>
-              </a:rPr>
-              <a:t> </a:t>
-            </a:r>
-            <a:r>
-              <a:rPr lang="en-GB" sz="1800" dirty="0" smtClean="0">
-                <a:latin typeface="+mj-lt"/>
-              </a:rPr>
-              <a:t>points.</a:t>
-            </a:r>
-          </a:p>
-          <a:p>
-            <a:pPr lvl="1"/>
-            <a:r>
-              <a:rPr lang="en-GB" sz="1800" dirty="0" smtClean="0">
-                <a:latin typeface="+mj-lt"/>
-              </a:rPr>
-              <a:t>In LOW point richness environments, new trees will start out providing around </a:t>
-            </a:r>
-            <a:r>
-              <a:rPr lang="en-GB" sz="1800" dirty="0" smtClean="0">
-                <a:latin typeface="+mj-lt"/>
-              </a:rPr>
-              <a:t>60 </a:t>
-            </a:r>
-            <a:r>
-              <a:rPr lang="en-GB" sz="1800" dirty="0" smtClean="0">
-                <a:latin typeface="+mj-lt"/>
-              </a:rPr>
-              <a:t>points.</a:t>
+              <a:t>In LOW point richness environments, new trees will start out providing around 60 points.</a:t>
             </a:r>
             <a:endParaRPr lang="en-GB" sz="1800" dirty="0">
               <a:latin typeface="+mj-lt"/>
